--- a/Team Foreigners_FirstBulid.pptx
+++ b/Team Foreigners_FirstBulid.pptx
@@ -11159,8 +11159,58 @@
               <a:t> </a:t>
             </a:r>
             <a:r>
+              <a:rPr lang="ko-KR" altLang="en-US" dirty="0"/>
+              <a:t>비교</a:t>
+            </a:r>
+            <a:endParaRPr lang="en-US" altLang="ko-KR" dirty="0"/>
+          </a:p>
+          <a:p>
+            <a:endParaRPr lang="en-US" altLang="ko-KR" dirty="0"/>
+          </a:p>
+          <a:p>
+            <a:r>
+              <a:rPr lang="ko-KR" altLang="en-US" dirty="0"/>
+              <a:t>적용 기술 </a:t>
+            </a:r>
+            <a:r>
+              <a:rPr lang="en-US" altLang="ko-KR" dirty="0"/>
+              <a:t>– RAG(</a:t>
+            </a:r>
+            <a:r>
+              <a:rPr lang="ko-KR" altLang="en-US" dirty="0"/>
+              <a:t>검색증강생성</a:t>
+            </a:r>
+            <a:r>
+              <a:rPr lang="en-US" altLang="ko-KR" dirty="0"/>
+              <a:t>) </a:t>
+            </a:r>
+            <a:r>
               <a:rPr lang="ko-KR" altLang="en-US"/>
-              <a:t>비교</a:t>
+              <a:t>선택 적용</a:t>
+            </a:r>
+            <a:r>
+              <a:rPr lang="en-US" altLang="ko-KR"/>
+              <a:t>,</a:t>
+            </a:r>
+            <a:r>
+              <a:rPr lang="ko-KR" altLang="en-US" dirty="0"/>
+              <a:t> </a:t>
+            </a:r>
+            <a:r>
+              <a:rPr lang="en-US" altLang="ko-KR" dirty="0"/>
+              <a:t>CTG(</a:t>
+            </a:r>
+            <a:r>
+              <a:rPr lang="ko-KR" altLang="en-US" dirty="0"/>
+              <a:t>제어 가능한 텍스트</a:t>
+            </a:r>
+            <a:r>
+              <a:rPr lang="en-US" altLang="ko-KR" dirty="0"/>
+              <a:t>)</a:t>
+            </a:r>
+            <a:r>
+              <a:rPr lang="ko-KR" altLang="en-US" dirty="0"/>
+              <a:t> 등</a:t>
             </a:r>
             <a:endParaRPr lang="en-US" altLang="ko-KR" dirty="0"/>
           </a:p>
